--- a/files/fuseeproperties.pptx
+++ b/files/fuseeproperties.pptx
@@ -5,13 +5,14 @@
     <p:sldMasterId id="2147483648" r:id="rId1"/>
   </p:sldMasterIdLst>
   <p:notesMasterIdLst>
-    <p:notesMasterId r:id="rId6"/>
+    <p:notesMasterId r:id="rId7"/>
   </p:notesMasterIdLst>
   <p:sldIdLst>
     <p:sldId id="257" r:id="rId2"/>
     <p:sldId id="259" r:id="rId3"/>
-    <p:sldId id="261" r:id="rId4"/>
-    <p:sldId id="262" r:id="rId5"/>
+    <p:sldId id="263" r:id="rId4"/>
+    <p:sldId id="261" r:id="rId5"/>
+    <p:sldId id="262" r:id="rId6"/>
   </p:sldIdLst>
   <p:sldSz cx="12192000" cy="6858000"/>
   <p:notesSz cx="6858000" cy="9144000"/>
@@ -3836,7 +3837,7 @@
           <a:p>
             <a:fld id="{202D9D70-B248-4F85-8BB9-0EECAFF378C1}" type="datetimeFigureOut">
               <a:rPr lang="en-CA" smtClean="0"/>
-              <a:t>2018-02-23</a:t>
+              <a:t>2019-09-11</a:t>
             </a:fld>
             <a:endParaRPr lang="en-CA"/>
           </a:p>
@@ -4174,7 +4175,7 @@
             <a:fld id="{155FE0D1-2CDA-4447-B7F1-22E9DFC6B3D0}" type="slidenum">
               <a:rPr lang="en-CA" smtClean="0"/>
               <a:pPr/>
-              <a:t>3</a:t>
+              <a:t>4</a:t>
             </a:fld>
             <a:endParaRPr lang="en-CA"/>
           </a:p>
@@ -4324,7 +4325,7 @@
           <a:p>
             <a:fld id="{156C1E32-EC4E-4C5B-8C26-6866C4E8C98F}" type="datetimeFigureOut">
               <a:rPr lang="en-CA" smtClean="0"/>
-              <a:t>2018-02-23</a:t>
+              <a:t>2019-09-11</a:t>
             </a:fld>
             <a:endParaRPr lang="en-CA"/>
           </a:p>
@@ -4494,7 +4495,7 @@
           <a:p>
             <a:fld id="{156C1E32-EC4E-4C5B-8C26-6866C4E8C98F}" type="datetimeFigureOut">
               <a:rPr lang="en-CA" smtClean="0"/>
-              <a:t>2018-02-23</a:t>
+              <a:t>2019-09-11</a:t>
             </a:fld>
             <a:endParaRPr lang="en-CA"/>
           </a:p>
@@ -4674,7 +4675,7 @@
           <a:p>
             <a:fld id="{156C1E32-EC4E-4C5B-8C26-6866C4E8C98F}" type="datetimeFigureOut">
               <a:rPr lang="en-CA" smtClean="0"/>
-              <a:t>2018-02-23</a:t>
+              <a:t>2019-09-11</a:t>
             </a:fld>
             <a:endParaRPr lang="en-CA"/>
           </a:p>
@@ -4844,7 +4845,7 @@
           <a:p>
             <a:fld id="{156C1E32-EC4E-4C5B-8C26-6866C4E8C98F}" type="datetimeFigureOut">
               <a:rPr lang="en-CA" smtClean="0"/>
-              <a:t>2018-02-23</a:t>
+              <a:t>2019-09-11</a:t>
             </a:fld>
             <a:endParaRPr lang="en-CA"/>
           </a:p>
@@ -5090,7 +5091,7 @@
           <a:p>
             <a:fld id="{156C1E32-EC4E-4C5B-8C26-6866C4E8C98F}" type="datetimeFigureOut">
               <a:rPr lang="en-CA" smtClean="0"/>
-              <a:t>2018-02-23</a:t>
+              <a:t>2019-09-11</a:t>
             </a:fld>
             <a:endParaRPr lang="en-CA"/>
           </a:p>
@@ -5322,7 +5323,7 @@
           <a:p>
             <a:fld id="{156C1E32-EC4E-4C5B-8C26-6866C4E8C98F}" type="datetimeFigureOut">
               <a:rPr lang="en-CA" smtClean="0"/>
-              <a:t>2018-02-23</a:t>
+              <a:t>2019-09-11</a:t>
             </a:fld>
             <a:endParaRPr lang="en-CA"/>
           </a:p>
@@ -5689,7 +5690,7 @@
           <a:p>
             <a:fld id="{156C1E32-EC4E-4C5B-8C26-6866C4E8C98F}" type="datetimeFigureOut">
               <a:rPr lang="en-CA" smtClean="0"/>
-              <a:t>2018-02-23</a:t>
+              <a:t>2019-09-11</a:t>
             </a:fld>
             <a:endParaRPr lang="en-CA"/>
           </a:p>
@@ -5807,7 +5808,7 @@
           <a:p>
             <a:fld id="{156C1E32-EC4E-4C5B-8C26-6866C4E8C98F}" type="datetimeFigureOut">
               <a:rPr lang="en-CA" smtClean="0"/>
-              <a:t>2018-02-23</a:t>
+              <a:t>2019-09-11</a:t>
             </a:fld>
             <a:endParaRPr lang="en-CA"/>
           </a:p>
@@ -5902,7 +5903,7 @@
           <a:p>
             <a:fld id="{156C1E32-EC4E-4C5B-8C26-6866C4E8C98F}" type="datetimeFigureOut">
               <a:rPr lang="en-CA" smtClean="0"/>
-              <a:t>2018-02-23</a:t>
+              <a:t>2019-09-11</a:t>
             </a:fld>
             <a:endParaRPr lang="en-CA"/>
           </a:p>
@@ -6179,7 +6180,7 @@
           <a:p>
             <a:fld id="{156C1E32-EC4E-4C5B-8C26-6866C4E8C98F}" type="datetimeFigureOut">
               <a:rPr lang="en-CA" smtClean="0"/>
-              <a:t>2018-02-23</a:t>
+              <a:t>2019-09-11</a:t>
             </a:fld>
             <a:endParaRPr lang="en-CA"/>
           </a:p>
@@ -6432,7 +6433,7 @@
           <a:p>
             <a:fld id="{156C1E32-EC4E-4C5B-8C26-6866C4E8C98F}" type="datetimeFigureOut">
               <a:rPr lang="en-CA" smtClean="0"/>
-              <a:t>2018-02-23</a:t>
+              <a:t>2019-09-11</a:t>
             </a:fld>
             <a:endParaRPr lang="en-CA"/>
           </a:p>
@@ -6645,7 +6646,7 @@
           <a:p>
             <a:fld id="{156C1E32-EC4E-4C5B-8C26-6866C4E8C98F}" type="datetimeFigureOut">
               <a:rPr lang="en-CA" smtClean="0"/>
-              <a:t>2018-02-23</a:t>
+              <a:t>2019-09-11</a:t>
             </a:fld>
             <a:endParaRPr lang="en-CA"/>
           </a:p>
@@ -8798,13 +8799,7 @@
               <a:rPr lang="en-US" dirty="0" smtClean="0">
                 <a:cs typeface="Arial" panose="020B0604020202020204" pitchFamily="34" charset="0"/>
               </a:rPr>
-              <a:t>Distributed </a:t>
-            </a:r>
-            <a:r>
-              <a:rPr lang="en-US" dirty="0" smtClean="0">
-                <a:cs typeface="Arial" panose="020B0604020202020204" pitchFamily="34" charset="0"/>
-              </a:rPr>
-              <a:t>Processing Protocol</a:t>
+              <a:t>Distributed Processing Protocol</a:t>
             </a:r>
             <a:endParaRPr lang="en-US" dirty="0">
               <a:cs typeface="Arial" panose="020B0604020202020204" pitchFamily="34" charset="0"/>
@@ -9188,6 +9183,1159 @@
 </file>
 
 <file path=ppt/slides/slide3.xml><?xml version="1.0" encoding="utf-8"?>
+<p:sld xmlns:a="http://schemas.openxmlformats.org/drawingml/2006/main" xmlns:r="http://schemas.openxmlformats.org/officeDocument/2006/relationships" xmlns:p="http://schemas.openxmlformats.org/presentationml/2006/main">
+  <p:cSld>
+    <p:spTree>
+      <p:nvGrpSpPr>
+        <p:cNvPr id="1" name=""/>
+        <p:cNvGrpSpPr/>
+        <p:nvPr/>
+      </p:nvGrpSpPr>
+      <p:grpSpPr>
+        <a:xfrm>
+          <a:off x="0" y="0"/>
+          <a:ext cx="0" cy="0"/>
+          <a:chOff x="0" y="0"/>
+          <a:chExt cx="0" cy="0"/>
+        </a:xfrm>
+      </p:grpSpPr>
+      <p:sp>
+        <p:nvSpPr>
+          <p:cNvPr id="2" name="Rounded Rectangle 1"/>
+          <p:cNvSpPr/>
+          <p:nvPr/>
+        </p:nvSpPr>
+        <p:spPr>
+          <a:xfrm>
+            <a:off x="2216654" y="2487246"/>
+            <a:ext cx="4603411" cy="2363824"/>
+          </a:xfrm>
+          <a:prstGeom prst="roundRect">
+            <a:avLst/>
+          </a:prstGeom>
+        </p:spPr>
+        <p:style>
+          <a:lnRef idx="2">
+            <a:schemeClr val="accent6"/>
+          </a:lnRef>
+          <a:fillRef idx="1">
+            <a:schemeClr val="lt1"/>
+          </a:fillRef>
+          <a:effectRef idx="0">
+            <a:schemeClr val="accent6"/>
+          </a:effectRef>
+          <a:fontRef idx="minor">
+            <a:schemeClr val="dk1"/>
+          </a:fontRef>
+        </p:style>
+        <p:txBody>
+          <a:bodyPr rtlCol="0" anchor="ctr"/>
+          <a:lstStyle/>
+          <a:p>
+            <a:pPr algn="ctr"/>
+            <a:endParaRPr lang="en-US" dirty="0">
+              <a:cs typeface="Times New Roman" panose="02020603050405020304" pitchFamily="18" charset="0"/>
+            </a:endParaRPr>
+          </a:p>
+        </p:txBody>
+      </p:sp>
+      <p:sp>
+        <p:nvSpPr>
+          <p:cNvPr id="6" name="Oval 5"/>
+          <p:cNvSpPr/>
+          <p:nvPr/>
+        </p:nvSpPr>
+        <p:spPr>
+          <a:xfrm>
+            <a:off x="2284312" y="2647354"/>
+            <a:ext cx="992164" cy="956640"/>
+          </a:xfrm>
+          <a:prstGeom prst="ellipse">
+            <a:avLst/>
+          </a:prstGeom>
+        </p:spPr>
+        <p:style>
+          <a:lnRef idx="0">
+            <a:schemeClr val="accent6"/>
+          </a:lnRef>
+          <a:fillRef idx="3">
+            <a:schemeClr val="accent6"/>
+          </a:fillRef>
+          <a:effectRef idx="3">
+            <a:schemeClr val="accent6"/>
+          </a:effectRef>
+          <a:fontRef idx="minor">
+            <a:schemeClr val="lt1"/>
+          </a:fontRef>
+        </p:style>
+        <p:txBody>
+          <a:bodyPr rtlCol="0" anchor="ctr"/>
+          <a:lstStyle/>
+          <a:p>
+            <a:pPr algn="ctr"/>
+            <a:r>
+              <a:rPr lang="en-US" sz="1200" dirty="0" smtClean="0">
+                <a:ln w="0"/>
+                <a:solidFill>
+                  <a:schemeClr val="tx1"/>
+                </a:solidFill>
+                <a:effectLst>
+                  <a:outerShdw blurRad="38100" dist="19050" dir="2700000" algn="tl" rotWithShape="0">
+                    <a:schemeClr val="dk1">
+                      <a:alpha val="40000"/>
+                    </a:schemeClr>
+                  </a:outerShdw>
+                </a:effectLst>
+                <a:cs typeface="Times New Roman" panose="02020603050405020304" pitchFamily="18" charset="0"/>
+              </a:rPr>
+              <a:t>Agent</a:t>
+            </a:r>
+            <a:endParaRPr lang="en-US" sz="1200" dirty="0">
+              <a:ln w="0"/>
+              <a:solidFill>
+                <a:schemeClr val="tx1"/>
+              </a:solidFill>
+              <a:effectLst>
+                <a:outerShdw blurRad="38100" dist="19050" dir="2700000" algn="tl" rotWithShape="0">
+                  <a:schemeClr val="dk1">
+                    <a:alpha val="40000"/>
+                  </a:schemeClr>
+                </a:outerShdw>
+              </a:effectLst>
+              <a:cs typeface="Times New Roman" panose="02020603050405020304" pitchFamily="18" charset="0"/>
+            </a:endParaRPr>
+          </a:p>
+        </p:txBody>
+      </p:sp>
+      <p:cxnSp>
+        <p:nvCxnSpPr>
+          <p:cNvPr id="8" name="Straight Connector 7"/>
+          <p:cNvCxnSpPr>
+            <a:stCxn id="6" idx="5"/>
+            <a:endCxn id="57" idx="1"/>
+          </p:cNvCxnSpPr>
+          <p:nvPr/>
+        </p:nvCxnSpPr>
+        <p:spPr>
+          <a:xfrm>
+            <a:off x="3131177" y="3463897"/>
+            <a:ext cx="1152729" cy="395668"/>
+          </a:xfrm>
+          <a:prstGeom prst="line">
+            <a:avLst/>
+          </a:prstGeom>
+          <a:effectLst>
+            <a:outerShdw blurRad="50800" dist="38100" dir="8100000" algn="tr" rotWithShape="0">
+              <a:prstClr val="black">
+                <a:alpha val="40000"/>
+              </a:prstClr>
+            </a:outerShdw>
+          </a:effectLst>
+        </p:spPr>
+        <p:style>
+          <a:lnRef idx="3">
+            <a:schemeClr val="accent1"/>
+          </a:lnRef>
+          <a:fillRef idx="0">
+            <a:schemeClr val="accent1"/>
+          </a:fillRef>
+          <a:effectRef idx="2">
+            <a:schemeClr val="accent1"/>
+          </a:effectRef>
+          <a:fontRef idx="minor">
+            <a:schemeClr val="tx1"/>
+          </a:fontRef>
+        </p:style>
+      </p:cxnSp>
+      <p:cxnSp>
+        <p:nvCxnSpPr>
+          <p:cNvPr id="12" name="Straight Connector 11"/>
+          <p:cNvCxnSpPr>
+            <a:stCxn id="57" idx="7"/>
+            <a:endCxn id="48" idx="3"/>
+          </p:cNvCxnSpPr>
+          <p:nvPr/>
+        </p:nvCxnSpPr>
+        <p:spPr>
+          <a:xfrm flipV="1">
+            <a:off x="4985472" y="3463897"/>
+            <a:ext cx="922718" cy="395668"/>
+          </a:xfrm>
+          <a:prstGeom prst="line">
+            <a:avLst/>
+          </a:prstGeom>
+          <a:effectLst>
+            <a:outerShdw blurRad="50800" dist="38100" dir="8100000" algn="tr" rotWithShape="0">
+              <a:prstClr val="black">
+                <a:alpha val="40000"/>
+              </a:prstClr>
+            </a:outerShdw>
+          </a:effectLst>
+        </p:spPr>
+        <p:style>
+          <a:lnRef idx="3">
+            <a:schemeClr val="accent1"/>
+          </a:lnRef>
+          <a:fillRef idx="0">
+            <a:schemeClr val="accent1"/>
+          </a:fillRef>
+          <a:effectRef idx="2">
+            <a:schemeClr val="accent1"/>
+          </a:effectRef>
+          <a:fontRef idx="minor">
+            <a:schemeClr val="tx1"/>
+          </a:fontRef>
+        </p:style>
+      </p:cxnSp>
+      <p:cxnSp>
+        <p:nvCxnSpPr>
+          <p:cNvPr id="17" name="Straight Connector 16"/>
+          <p:cNvCxnSpPr>
+            <a:stCxn id="6" idx="6"/>
+            <a:endCxn id="44" idx="2"/>
+          </p:cNvCxnSpPr>
+          <p:nvPr/>
+        </p:nvCxnSpPr>
+        <p:spPr>
+          <a:xfrm flipV="1">
+            <a:off x="3276476" y="3113467"/>
+            <a:ext cx="806051" cy="12207"/>
+          </a:xfrm>
+          <a:prstGeom prst="line">
+            <a:avLst/>
+          </a:prstGeom>
+          <a:effectLst>
+            <a:outerShdw blurRad="50800" dist="38100" dir="8100000" algn="tr" rotWithShape="0">
+              <a:prstClr val="black">
+                <a:alpha val="40000"/>
+              </a:prstClr>
+            </a:outerShdw>
+          </a:effectLst>
+        </p:spPr>
+        <p:style>
+          <a:lnRef idx="3">
+            <a:schemeClr val="accent1"/>
+          </a:lnRef>
+          <a:fillRef idx="0">
+            <a:schemeClr val="accent1"/>
+          </a:fillRef>
+          <a:effectRef idx="2">
+            <a:schemeClr val="accent1"/>
+          </a:effectRef>
+          <a:fontRef idx="minor">
+            <a:schemeClr val="tx1"/>
+          </a:fontRef>
+        </p:style>
+      </p:cxnSp>
+      <p:cxnSp>
+        <p:nvCxnSpPr>
+          <p:cNvPr id="21" name="Straight Connector 20"/>
+          <p:cNvCxnSpPr>
+            <a:stCxn id="44" idx="6"/>
+            <a:endCxn id="48" idx="2"/>
+          </p:cNvCxnSpPr>
+          <p:nvPr/>
+        </p:nvCxnSpPr>
+        <p:spPr>
+          <a:xfrm>
+            <a:off x="5074691" y="3113467"/>
+            <a:ext cx="688200" cy="12207"/>
+          </a:xfrm>
+          <a:prstGeom prst="line">
+            <a:avLst/>
+          </a:prstGeom>
+          <a:effectLst>
+            <a:outerShdw blurRad="50800" dist="38100" dir="8100000" algn="tr" rotWithShape="0">
+              <a:prstClr val="black">
+                <a:alpha val="40000"/>
+              </a:prstClr>
+            </a:outerShdw>
+          </a:effectLst>
+        </p:spPr>
+        <p:style>
+          <a:lnRef idx="3">
+            <a:schemeClr val="accent1"/>
+          </a:lnRef>
+          <a:fillRef idx="0">
+            <a:schemeClr val="accent1"/>
+          </a:fillRef>
+          <a:effectRef idx="2">
+            <a:schemeClr val="accent1"/>
+          </a:effectRef>
+          <a:fontRef idx="minor">
+            <a:schemeClr val="tx1"/>
+          </a:fontRef>
+        </p:style>
+      </p:cxnSp>
+      <p:sp>
+        <p:nvSpPr>
+          <p:cNvPr id="44" name="Oval 43"/>
+          <p:cNvSpPr/>
+          <p:nvPr/>
+        </p:nvSpPr>
+        <p:spPr>
+          <a:xfrm>
+            <a:off x="4082527" y="2635147"/>
+            <a:ext cx="992164" cy="956640"/>
+          </a:xfrm>
+          <a:prstGeom prst="ellipse">
+            <a:avLst/>
+          </a:prstGeom>
+        </p:spPr>
+        <p:style>
+          <a:lnRef idx="0">
+            <a:schemeClr val="accent6"/>
+          </a:lnRef>
+          <a:fillRef idx="3">
+            <a:schemeClr val="accent6"/>
+          </a:fillRef>
+          <a:effectRef idx="3">
+            <a:schemeClr val="accent6"/>
+          </a:effectRef>
+          <a:fontRef idx="minor">
+            <a:schemeClr val="lt1"/>
+          </a:fontRef>
+        </p:style>
+        <p:txBody>
+          <a:bodyPr rtlCol="0" anchor="ctr"/>
+          <a:lstStyle/>
+          <a:p>
+            <a:pPr algn="ctr"/>
+            <a:r>
+              <a:rPr lang="en-US" sz="1200" dirty="0">
+                <a:ln w="0"/>
+                <a:solidFill>
+                  <a:schemeClr val="tx1"/>
+                </a:solidFill>
+                <a:effectLst>
+                  <a:outerShdw blurRad="38100" dist="19050" dir="2700000" algn="tl" rotWithShape="0">
+                    <a:schemeClr val="dk1">
+                      <a:alpha val="40000"/>
+                    </a:schemeClr>
+                  </a:outerShdw>
+                </a:effectLst>
+                <a:cs typeface="Times New Roman" panose="02020603050405020304" pitchFamily="18" charset="0"/>
+              </a:rPr>
+              <a:t>Agent</a:t>
+            </a:r>
+            <a:endParaRPr lang="en-US" sz="1200" dirty="0">
+              <a:ln w="0"/>
+              <a:solidFill>
+                <a:schemeClr val="tx1"/>
+              </a:solidFill>
+              <a:effectLst>
+                <a:outerShdw blurRad="38100" dist="19050" dir="2700000" algn="tl" rotWithShape="0">
+                  <a:schemeClr val="dk1">
+                    <a:alpha val="40000"/>
+                  </a:schemeClr>
+                </a:outerShdw>
+              </a:effectLst>
+              <a:cs typeface="Times New Roman" panose="02020603050405020304" pitchFamily="18" charset="0"/>
+            </a:endParaRPr>
+          </a:p>
+        </p:txBody>
+      </p:sp>
+      <p:sp>
+        <p:nvSpPr>
+          <p:cNvPr id="48" name="Oval 47"/>
+          <p:cNvSpPr/>
+          <p:nvPr/>
+        </p:nvSpPr>
+        <p:spPr>
+          <a:xfrm>
+            <a:off x="5762891" y="2647354"/>
+            <a:ext cx="992164" cy="956640"/>
+          </a:xfrm>
+          <a:prstGeom prst="ellipse">
+            <a:avLst/>
+          </a:prstGeom>
+        </p:spPr>
+        <p:style>
+          <a:lnRef idx="0">
+            <a:schemeClr val="accent6"/>
+          </a:lnRef>
+          <a:fillRef idx="3">
+            <a:schemeClr val="accent6"/>
+          </a:fillRef>
+          <a:effectRef idx="3">
+            <a:schemeClr val="accent6"/>
+          </a:effectRef>
+          <a:fontRef idx="minor">
+            <a:schemeClr val="lt1"/>
+          </a:fontRef>
+        </p:style>
+        <p:txBody>
+          <a:bodyPr rtlCol="0" anchor="ctr"/>
+          <a:lstStyle/>
+          <a:p>
+            <a:pPr algn="ctr"/>
+            <a:r>
+              <a:rPr lang="en-US" sz="1200" dirty="0">
+                <a:ln w="0"/>
+                <a:solidFill>
+                  <a:schemeClr val="tx1"/>
+                </a:solidFill>
+                <a:effectLst>
+                  <a:outerShdw blurRad="38100" dist="19050" dir="2700000" algn="tl" rotWithShape="0">
+                    <a:schemeClr val="dk1">
+                      <a:alpha val="40000"/>
+                    </a:schemeClr>
+                  </a:outerShdw>
+                </a:effectLst>
+                <a:cs typeface="Times New Roman" panose="02020603050405020304" pitchFamily="18" charset="0"/>
+              </a:rPr>
+              <a:t>Agent</a:t>
+            </a:r>
+            <a:endParaRPr lang="en-US" sz="1200" dirty="0">
+              <a:ln w="0"/>
+              <a:solidFill>
+                <a:schemeClr val="tx1"/>
+              </a:solidFill>
+              <a:effectLst>
+                <a:outerShdw blurRad="38100" dist="19050" dir="2700000" algn="tl" rotWithShape="0">
+                  <a:schemeClr val="dk1">
+                    <a:alpha val="40000"/>
+                  </a:schemeClr>
+                </a:outerShdw>
+              </a:effectLst>
+              <a:cs typeface="Times New Roman" panose="02020603050405020304" pitchFamily="18" charset="0"/>
+            </a:endParaRPr>
+          </a:p>
+        </p:txBody>
+      </p:sp>
+      <p:sp>
+        <p:nvSpPr>
+          <p:cNvPr id="57" name="Oval 56"/>
+          <p:cNvSpPr/>
+          <p:nvPr/>
+        </p:nvSpPr>
+        <p:spPr>
+          <a:xfrm>
+            <a:off x="4138607" y="3719468"/>
+            <a:ext cx="992164" cy="956640"/>
+          </a:xfrm>
+          <a:prstGeom prst="ellipse">
+            <a:avLst/>
+          </a:prstGeom>
+        </p:spPr>
+        <p:style>
+          <a:lnRef idx="0">
+            <a:schemeClr val="accent6"/>
+          </a:lnRef>
+          <a:fillRef idx="3">
+            <a:schemeClr val="accent6"/>
+          </a:fillRef>
+          <a:effectRef idx="3">
+            <a:schemeClr val="accent6"/>
+          </a:effectRef>
+          <a:fontRef idx="minor">
+            <a:schemeClr val="lt1"/>
+          </a:fontRef>
+        </p:style>
+        <p:txBody>
+          <a:bodyPr rtlCol="0" anchor="ctr"/>
+          <a:lstStyle/>
+          <a:p>
+            <a:pPr algn="ctr"/>
+            <a:r>
+              <a:rPr lang="en-US" sz="1200" dirty="0">
+                <a:ln w="0"/>
+                <a:solidFill>
+                  <a:schemeClr val="tx1"/>
+                </a:solidFill>
+                <a:effectLst>
+                  <a:outerShdw blurRad="38100" dist="19050" dir="2700000" algn="tl" rotWithShape="0">
+                    <a:schemeClr val="dk1">
+                      <a:alpha val="40000"/>
+                    </a:schemeClr>
+                  </a:outerShdw>
+                </a:effectLst>
+                <a:cs typeface="Times New Roman" panose="02020603050405020304" pitchFamily="18" charset="0"/>
+              </a:rPr>
+              <a:t>Agent</a:t>
+            </a:r>
+            <a:endParaRPr lang="en-US" sz="1200" dirty="0">
+              <a:ln w="0"/>
+              <a:solidFill>
+                <a:schemeClr val="tx1"/>
+              </a:solidFill>
+              <a:effectLst>
+                <a:outerShdw blurRad="38100" dist="19050" dir="2700000" algn="tl" rotWithShape="0">
+                  <a:schemeClr val="dk1">
+                    <a:alpha val="40000"/>
+                  </a:schemeClr>
+                </a:outerShdw>
+              </a:effectLst>
+              <a:cs typeface="Times New Roman" panose="02020603050405020304" pitchFamily="18" charset="0"/>
+            </a:endParaRPr>
+          </a:p>
+        </p:txBody>
+      </p:sp>
+      <p:cxnSp>
+        <p:nvCxnSpPr>
+          <p:cNvPr id="76" name="Straight Arrow Connector 75"/>
+          <p:cNvCxnSpPr>
+            <a:stCxn id="6" idx="4"/>
+            <a:endCxn id="40" idx="0"/>
+          </p:cNvCxnSpPr>
+          <p:nvPr/>
+        </p:nvCxnSpPr>
+        <p:spPr>
+          <a:xfrm flipH="1">
+            <a:off x="2709333" y="3603994"/>
+            <a:ext cx="71061" cy="1346245"/>
+          </a:xfrm>
+          <a:prstGeom prst="straightConnector1">
+            <a:avLst/>
+          </a:prstGeom>
+          <a:ln>
+            <a:headEnd type="triangle"/>
+            <a:tailEnd type="none"/>
+          </a:ln>
+          <a:effectLst>
+            <a:outerShdw blurRad="50800" dist="38100" dir="8100000" algn="tr" rotWithShape="0">
+              <a:prstClr val="black">
+                <a:alpha val="40000"/>
+              </a:prstClr>
+            </a:outerShdw>
+          </a:effectLst>
+        </p:spPr>
+        <p:style>
+          <a:lnRef idx="3">
+            <a:schemeClr val="accent1"/>
+          </a:lnRef>
+          <a:fillRef idx="0">
+            <a:schemeClr val="accent1"/>
+          </a:fillRef>
+          <a:effectRef idx="2">
+            <a:schemeClr val="accent1"/>
+          </a:effectRef>
+          <a:fontRef idx="minor">
+            <a:schemeClr val="tx1"/>
+          </a:fontRef>
+        </p:style>
+      </p:cxnSp>
+      <p:cxnSp>
+        <p:nvCxnSpPr>
+          <p:cNvPr id="80" name="Straight Arrow Connector 79"/>
+          <p:cNvCxnSpPr>
+            <a:stCxn id="57" idx="4"/>
+            <a:endCxn id="38" idx="0"/>
+          </p:cNvCxnSpPr>
+          <p:nvPr/>
+        </p:nvCxnSpPr>
+        <p:spPr>
+          <a:xfrm flipH="1">
+            <a:off x="4551770" y="4676108"/>
+            <a:ext cx="82919" cy="428887"/>
+          </a:xfrm>
+          <a:prstGeom prst="straightConnector1">
+            <a:avLst/>
+          </a:prstGeom>
+          <a:ln>
+            <a:headEnd type="triangle"/>
+            <a:tailEnd type="none"/>
+          </a:ln>
+          <a:effectLst>
+            <a:outerShdw blurRad="50800" dist="38100" dir="8100000" algn="tr" rotWithShape="0">
+              <a:prstClr val="black">
+                <a:alpha val="40000"/>
+              </a:prstClr>
+            </a:outerShdw>
+          </a:effectLst>
+        </p:spPr>
+        <p:style>
+          <a:lnRef idx="3">
+            <a:schemeClr val="accent1"/>
+          </a:lnRef>
+          <a:fillRef idx="0">
+            <a:schemeClr val="accent1"/>
+          </a:fillRef>
+          <a:effectRef idx="2">
+            <a:schemeClr val="accent1"/>
+          </a:effectRef>
+          <a:fontRef idx="minor">
+            <a:schemeClr val="tx1"/>
+          </a:fontRef>
+        </p:style>
+      </p:cxnSp>
+      <p:cxnSp>
+        <p:nvCxnSpPr>
+          <p:cNvPr id="86" name="Straight Arrow Connector 85"/>
+          <p:cNvCxnSpPr>
+            <a:stCxn id="48" idx="4"/>
+            <a:endCxn id="120" idx="0"/>
+          </p:cNvCxnSpPr>
+          <p:nvPr/>
+        </p:nvCxnSpPr>
+        <p:spPr>
+          <a:xfrm>
+            <a:off x="6258973" y="3603994"/>
+            <a:ext cx="51447" cy="1524542"/>
+          </a:xfrm>
+          <a:prstGeom prst="straightConnector1">
+            <a:avLst/>
+          </a:prstGeom>
+          <a:ln>
+            <a:tailEnd type="triangle"/>
+          </a:ln>
+          <a:effectLst>
+            <a:outerShdw blurRad="50800" dist="38100" dir="8100000" algn="tr" rotWithShape="0">
+              <a:prstClr val="black">
+                <a:alpha val="40000"/>
+              </a:prstClr>
+            </a:outerShdw>
+          </a:effectLst>
+        </p:spPr>
+        <p:style>
+          <a:lnRef idx="3">
+            <a:schemeClr val="accent1"/>
+          </a:lnRef>
+          <a:fillRef idx="0">
+            <a:schemeClr val="accent1"/>
+          </a:fillRef>
+          <a:effectRef idx="2">
+            <a:schemeClr val="accent1"/>
+          </a:effectRef>
+          <a:fontRef idx="minor">
+            <a:schemeClr val="tx1"/>
+          </a:fontRef>
+        </p:style>
+      </p:cxnSp>
+      <p:cxnSp>
+        <p:nvCxnSpPr>
+          <p:cNvPr id="111" name="Straight Arrow Connector 110"/>
+          <p:cNvCxnSpPr>
+            <a:stCxn id="126" idx="0"/>
+            <a:endCxn id="57" idx="5"/>
+          </p:cNvCxnSpPr>
+          <p:nvPr/>
+        </p:nvCxnSpPr>
+        <p:spPr>
+          <a:xfrm flipH="1" flipV="1">
+            <a:off x="4985472" y="4536011"/>
+            <a:ext cx="459036" cy="568994"/>
+          </a:xfrm>
+          <a:prstGeom prst="straightConnector1">
+            <a:avLst/>
+          </a:prstGeom>
+          <a:ln>
+            <a:headEnd type="triangle"/>
+            <a:tailEnd type="none"/>
+          </a:ln>
+          <a:effectLst>
+            <a:outerShdw blurRad="50800" dist="38100" dir="8100000" algn="tr" rotWithShape="0">
+              <a:prstClr val="black">
+                <a:alpha val="40000"/>
+              </a:prstClr>
+            </a:outerShdw>
+          </a:effectLst>
+        </p:spPr>
+        <p:style>
+          <a:lnRef idx="3">
+            <a:schemeClr val="accent1"/>
+          </a:lnRef>
+          <a:fillRef idx="0">
+            <a:schemeClr val="accent1"/>
+          </a:fillRef>
+          <a:effectRef idx="2">
+            <a:schemeClr val="accent1"/>
+          </a:effectRef>
+          <a:fontRef idx="minor">
+            <a:schemeClr val="tx1"/>
+          </a:fontRef>
+        </p:style>
+      </p:cxnSp>
+      <p:cxnSp>
+        <p:nvCxnSpPr>
+          <p:cNvPr id="117" name="Straight Arrow Connector 116"/>
+          <p:cNvCxnSpPr>
+            <a:stCxn id="35" idx="0"/>
+            <a:endCxn id="57" idx="3"/>
+          </p:cNvCxnSpPr>
+          <p:nvPr/>
+        </p:nvCxnSpPr>
+        <p:spPr>
+          <a:xfrm flipV="1">
+            <a:off x="3660766" y="4536011"/>
+            <a:ext cx="623140" cy="592525"/>
+          </a:xfrm>
+          <a:prstGeom prst="straightConnector1">
+            <a:avLst/>
+          </a:prstGeom>
+          <a:ln>
+            <a:headEnd type="triangle"/>
+            <a:tailEnd type="none"/>
+          </a:ln>
+          <a:effectLst>
+            <a:outerShdw blurRad="50800" dist="38100" dir="8100000" algn="tr" rotWithShape="0">
+              <a:prstClr val="black">
+                <a:alpha val="40000"/>
+              </a:prstClr>
+            </a:outerShdw>
+          </a:effectLst>
+        </p:spPr>
+        <p:style>
+          <a:lnRef idx="3">
+            <a:schemeClr val="accent1"/>
+          </a:lnRef>
+          <a:fillRef idx="0">
+            <a:schemeClr val="accent1"/>
+          </a:fillRef>
+          <a:effectRef idx="2">
+            <a:schemeClr val="accent1"/>
+          </a:effectRef>
+          <a:fontRef idx="minor">
+            <a:schemeClr val="tx1"/>
+          </a:fontRef>
+        </p:style>
+      </p:cxnSp>
+      <p:sp>
+        <p:nvSpPr>
+          <p:cNvPr id="22" name="Oval 21"/>
+          <p:cNvSpPr/>
+          <p:nvPr/>
+        </p:nvSpPr>
+        <p:spPr>
+          <a:xfrm>
+            <a:off x="2341725" y="1069804"/>
+            <a:ext cx="4478340" cy="971550"/>
+          </a:xfrm>
+          <a:prstGeom prst="ellipse">
+            <a:avLst/>
+          </a:prstGeom>
+        </p:spPr>
+        <p:style>
+          <a:lnRef idx="0">
+            <a:schemeClr val="accent2"/>
+          </a:lnRef>
+          <a:fillRef idx="3">
+            <a:schemeClr val="accent2"/>
+          </a:fillRef>
+          <a:effectRef idx="3">
+            <a:schemeClr val="accent2"/>
+          </a:effectRef>
+          <a:fontRef idx="minor">
+            <a:schemeClr val="lt1"/>
+          </a:fontRef>
+        </p:style>
+        <p:txBody>
+          <a:bodyPr rtlCol="0" anchor="ctr"/>
+          <a:lstStyle/>
+          <a:p>
+            <a:pPr algn="ctr"/>
+            <a:r>
+              <a:rPr lang="en-US" dirty="0" err="1" smtClean="0">
+                <a:cs typeface="Arial" panose="020B0604020202020204" pitchFamily="34" charset="0"/>
+              </a:rPr>
+              <a:t>Protocole</a:t>
+            </a:r>
+            <a:r>
+              <a:rPr lang="en-US" dirty="0" smtClean="0">
+                <a:cs typeface="Arial" panose="020B0604020202020204" pitchFamily="34" charset="0"/>
+              </a:rPr>
+              <a:t> de </a:t>
+            </a:r>
+            <a:r>
+              <a:rPr lang="en-US" dirty="0" err="1" smtClean="0">
+                <a:cs typeface="Arial" panose="020B0604020202020204" pitchFamily="34" charset="0"/>
+              </a:rPr>
+              <a:t>traitement</a:t>
+            </a:r>
+            <a:r>
+              <a:rPr lang="en-US" dirty="0" smtClean="0">
+                <a:cs typeface="Arial" panose="020B0604020202020204" pitchFamily="34" charset="0"/>
+              </a:rPr>
+              <a:t> </a:t>
+            </a:r>
+            <a:r>
+              <a:rPr lang="en-US" dirty="0" err="1" smtClean="0">
+                <a:cs typeface="Arial" panose="020B0604020202020204" pitchFamily="34" charset="0"/>
+              </a:rPr>
+              <a:t>distribuée</a:t>
+            </a:r>
+            <a:endParaRPr lang="en-US" dirty="0">
+              <a:cs typeface="Arial" panose="020B0604020202020204" pitchFamily="34" charset="0"/>
+            </a:endParaRPr>
+          </a:p>
+        </p:txBody>
+      </p:sp>
+      <p:cxnSp>
+        <p:nvCxnSpPr>
+          <p:cNvPr id="70" name="Elbow Connector 69"/>
+          <p:cNvCxnSpPr>
+            <a:stCxn id="48" idx="0"/>
+          </p:cNvCxnSpPr>
+          <p:nvPr/>
+        </p:nvCxnSpPr>
+        <p:spPr>
+          <a:xfrm rot="16200000" flipV="1">
+            <a:off x="5265511" y="1653891"/>
+            <a:ext cx="303002" cy="1683923"/>
+          </a:xfrm>
+          <a:prstGeom prst="bentConnector2">
+            <a:avLst/>
+          </a:prstGeom>
+          <a:ln>
+            <a:headEnd type="triangle"/>
+            <a:tailEnd type="none"/>
+          </a:ln>
+          <a:effectLst>
+            <a:outerShdw blurRad="50800" dist="38100" dir="8100000" algn="tr" rotWithShape="0">
+              <a:prstClr val="black">
+                <a:alpha val="40000"/>
+              </a:prstClr>
+            </a:outerShdw>
+          </a:effectLst>
+        </p:spPr>
+        <p:style>
+          <a:lnRef idx="3">
+            <a:schemeClr val="accent2"/>
+          </a:lnRef>
+          <a:fillRef idx="0">
+            <a:schemeClr val="accent2"/>
+          </a:fillRef>
+          <a:effectRef idx="2">
+            <a:schemeClr val="accent2"/>
+          </a:effectRef>
+          <a:fontRef idx="minor">
+            <a:schemeClr val="tx1"/>
+          </a:fontRef>
+        </p:style>
+      </p:cxnSp>
+      <p:cxnSp>
+        <p:nvCxnSpPr>
+          <p:cNvPr id="72" name="Elbow Connector 71"/>
+          <p:cNvCxnSpPr>
+            <a:endCxn id="57" idx="6"/>
+          </p:cNvCxnSpPr>
+          <p:nvPr/>
+        </p:nvCxnSpPr>
+        <p:spPr>
+          <a:xfrm rot="5400000">
+            <a:off x="4316044" y="3159080"/>
+            <a:ext cx="1853435" cy="223980"/>
+          </a:xfrm>
+          <a:prstGeom prst="bentConnector2">
+            <a:avLst/>
+          </a:prstGeom>
+          <a:ln>
+            <a:headEnd type="none"/>
+            <a:tailEnd type="triangle"/>
+          </a:ln>
+          <a:effectLst>
+            <a:outerShdw blurRad="50800" dist="38100" dir="8100000" algn="tr" rotWithShape="0">
+              <a:prstClr val="black">
+                <a:alpha val="40000"/>
+              </a:prstClr>
+            </a:outerShdw>
+          </a:effectLst>
+        </p:spPr>
+        <p:style>
+          <a:lnRef idx="3">
+            <a:schemeClr val="accent2"/>
+          </a:lnRef>
+          <a:fillRef idx="0">
+            <a:schemeClr val="accent2"/>
+          </a:fillRef>
+          <a:effectRef idx="2">
+            <a:schemeClr val="accent2"/>
+          </a:effectRef>
+          <a:fontRef idx="minor">
+            <a:schemeClr val="tx1"/>
+          </a:fontRef>
+        </p:style>
+      </p:cxnSp>
+      <p:pic>
+        <p:nvPicPr>
+          <p:cNvPr id="38" name="Picture 37"/>
+          <p:cNvPicPr>
+            <a:picLocks noChangeAspect="1"/>
+          </p:cNvPicPr>
+          <p:nvPr/>
+        </p:nvPicPr>
+        <p:blipFill>
+          <a:blip r:embed="rId2" cstate="print">
+            <a:extLst>
+              <a:ext uri="{28A0092B-C50C-407E-A947-70E740481C1C}">
+                <a14:useLocalDpi xmlns:a14="http://schemas.microsoft.com/office/drawing/2010/main" val="0"/>
+              </a:ext>
+            </a:extLst>
+          </a:blip>
+          <a:stretch>
+            <a:fillRect/>
+          </a:stretch>
+        </p:blipFill>
+        <p:spPr>
+          <a:xfrm>
+            <a:off x="4142583" y="5104995"/>
+            <a:ext cx="818374" cy="818374"/>
+          </a:xfrm>
+          <a:prstGeom prst="rect">
+            <a:avLst/>
+          </a:prstGeom>
+          <a:effectLst>
+            <a:outerShdw blurRad="50800" dist="38100" dir="8100000" algn="tr" rotWithShape="0">
+              <a:prstClr val="black">
+                <a:alpha val="40000"/>
+              </a:prstClr>
+            </a:outerShdw>
+          </a:effectLst>
+        </p:spPr>
+      </p:pic>
+      <p:pic>
+        <p:nvPicPr>
+          <p:cNvPr id="40" name="Picture 39"/>
+          <p:cNvPicPr>
+            <a:picLocks noChangeAspect="1"/>
+          </p:cNvPicPr>
+          <p:nvPr/>
+        </p:nvPicPr>
+        <p:blipFill>
+          <a:blip r:embed="rId3" cstate="print">
+            <a:extLst>
+              <a:ext uri="{28A0092B-C50C-407E-A947-70E740481C1C}">
+                <a14:useLocalDpi xmlns:a14="http://schemas.microsoft.com/office/drawing/2010/main" val="0"/>
+              </a:ext>
+            </a:extLst>
+          </a:blip>
+          <a:stretch>
+            <a:fillRect/>
+          </a:stretch>
+        </p:blipFill>
+        <p:spPr>
+          <a:xfrm>
+            <a:off x="2213309" y="4950239"/>
+            <a:ext cx="992048" cy="992048"/>
+          </a:xfrm>
+          <a:prstGeom prst="rect">
+            <a:avLst/>
+          </a:prstGeom>
+          <a:effectLst>
+            <a:outerShdw blurRad="50800" dist="38100" dir="8100000" algn="tr" rotWithShape="0">
+              <a:prstClr val="black">
+                <a:alpha val="40000"/>
+              </a:prstClr>
+            </a:outerShdw>
+          </a:effectLst>
+        </p:spPr>
+      </p:pic>
+      <p:pic>
+        <p:nvPicPr>
+          <p:cNvPr id="35" name="Picture 34"/>
+          <p:cNvPicPr>
+            <a:picLocks noChangeAspect="1"/>
+          </p:cNvPicPr>
+          <p:nvPr/>
+        </p:nvPicPr>
+        <p:blipFill>
+          <a:blip r:embed="rId4" cstate="print">
+            <a:extLst>
+              <a:ext uri="{28A0092B-C50C-407E-A947-70E740481C1C}">
+                <a14:useLocalDpi xmlns:a14="http://schemas.microsoft.com/office/drawing/2010/main" val="0"/>
+              </a:ext>
+            </a:extLst>
+          </a:blip>
+          <a:stretch>
+            <a:fillRect/>
+          </a:stretch>
+        </p:blipFill>
+        <p:spPr>
+          <a:xfrm>
+            <a:off x="3252494" y="5128536"/>
+            <a:ext cx="816543" cy="816543"/>
+          </a:xfrm>
+          <a:prstGeom prst="rect">
+            <a:avLst/>
+          </a:prstGeom>
+          <a:effectLst>
+            <a:outerShdw blurRad="50800" dist="38100" dir="8100000" algn="tr" rotWithShape="0">
+              <a:prstClr val="black">
+                <a:alpha val="40000"/>
+              </a:prstClr>
+            </a:outerShdw>
+          </a:effectLst>
+        </p:spPr>
+      </p:pic>
+      <p:cxnSp>
+        <p:nvCxnSpPr>
+          <p:cNvPr id="36" name="Elbow Connector 35"/>
+          <p:cNvCxnSpPr>
+            <a:stCxn id="6" idx="0"/>
+            <a:endCxn id="22" idx="4"/>
+          </p:cNvCxnSpPr>
+          <p:nvPr/>
+        </p:nvCxnSpPr>
+        <p:spPr>
+          <a:xfrm rot="5400000" flipH="1" flipV="1">
+            <a:off x="3377644" y="1444104"/>
+            <a:ext cx="606000" cy="1800501"/>
+          </a:xfrm>
+          <a:prstGeom prst="bentConnector3">
+            <a:avLst>
+              <a:gd name="adj1" fmla="val 50000"/>
+            </a:avLst>
+          </a:prstGeom>
+          <a:ln>
+            <a:headEnd type="triangle"/>
+            <a:tailEnd type="none"/>
+          </a:ln>
+          <a:effectLst>
+            <a:outerShdw blurRad="50800" dist="38100" dir="8100000" algn="tr" rotWithShape="0">
+              <a:prstClr val="black">
+                <a:alpha val="40000"/>
+              </a:prstClr>
+            </a:outerShdw>
+          </a:effectLst>
+        </p:spPr>
+        <p:style>
+          <a:lnRef idx="3">
+            <a:schemeClr val="accent2"/>
+          </a:lnRef>
+          <a:fillRef idx="0">
+            <a:schemeClr val="accent2"/>
+          </a:fillRef>
+          <a:effectRef idx="2">
+            <a:schemeClr val="accent2"/>
+          </a:effectRef>
+          <a:fontRef idx="minor">
+            <a:schemeClr val="tx1"/>
+          </a:fontRef>
+        </p:style>
+      </p:cxnSp>
+      <p:pic>
+        <p:nvPicPr>
+          <p:cNvPr id="120" name="Picture 119"/>
+          <p:cNvPicPr>
+            <a:picLocks noChangeAspect="1"/>
+          </p:cNvPicPr>
+          <p:nvPr/>
+        </p:nvPicPr>
+        <p:blipFill>
+          <a:blip r:embed="rId5" cstate="print">
+            <a:extLst>
+              <a:ext uri="{28A0092B-C50C-407E-A947-70E740481C1C}">
+                <a14:useLocalDpi xmlns:a14="http://schemas.microsoft.com/office/drawing/2010/main" val="0"/>
+              </a:ext>
+            </a:extLst>
+          </a:blip>
+          <a:stretch>
+            <a:fillRect/>
+          </a:stretch>
+        </p:blipFill>
+        <p:spPr>
+          <a:xfrm>
+            <a:off x="5903544" y="5128536"/>
+            <a:ext cx="813751" cy="813751"/>
+          </a:xfrm>
+          <a:prstGeom prst="rect">
+            <a:avLst/>
+          </a:prstGeom>
+          <a:effectLst>
+            <a:outerShdw blurRad="50800" dist="38100" dir="8100000" algn="tr" rotWithShape="0">
+              <a:prstClr val="black">
+                <a:alpha val="40000"/>
+              </a:prstClr>
+            </a:outerShdw>
+          </a:effectLst>
+        </p:spPr>
+      </p:pic>
+      <p:cxnSp>
+        <p:nvCxnSpPr>
+          <p:cNvPr id="41" name="Elbow Connector 40"/>
+          <p:cNvCxnSpPr>
+            <a:stCxn id="44" idx="0"/>
+          </p:cNvCxnSpPr>
+          <p:nvPr/>
+        </p:nvCxnSpPr>
+        <p:spPr>
+          <a:xfrm rot="16200000" flipV="1">
+            <a:off x="4432575" y="2489113"/>
+            <a:ext cx="290795" cy="1274"/>
+          </a:xfrm>
+          <a:prstGeom prst="bentConnector3">
+            <a:avLst>
+              <a:gd name="adj1" fmla="val 50000"/>
+            </a:avLst>
+          </a:prstGeom>
+          <a:ln>
+            <a:headEnd type="triangle"/>
+            <a:tailEnd type="none"/>
+          </a:ln>
+          <a:effectLst>
+            <a:outerShdw blurRad="50800" dist="38100" dir="8100000" algn="tr" rotWithShape="0">
+              <a:prstClr val="black">
+                <a:alpha val="40000"/>
+              </a:prstClr>
+            </a:outerShdw>
+          </a:effectLst>
+        </p:spPr>
+        <p:style>
+          <a:lnRef idx="3">
+            <a:schemeClr val="accent2"/>
+          </a:lnRef>
+          <a:fillRef idx="0">
+            <a:schemeClr val="accent2"/>
+          </a:fillRef>
+          <a:effectRef idx="2">
+            <a:schemeClr val="accent2"/>
+          </a:effectRef>
+          <a:fontRef idx="minor">
+            <a:schemeClr val="tx1"/>
+          </a:fontRef>
+        </p:style>
+      </p:cxnSp>
+      <p:pic>
+        <p:nvPicPr>
+          <p:cNvPr id="126" name="Picture 125"/>
+          <p:cNvPicPr>
+            <a:picLocks noChangeAspect="1"/>
+          </p:cNvPicPr>
+          <p:nvPr/>
+        </p:nvPicPr>
+        <p:blipFill>
+          <a:blip r:embed="rId6" cstate="print">
+            <a:extLst>
+              <a:ext uri="{28A0092B-C50C-407E-A947-70E740481C1C}">
+                <a14:useLocalDpi xmlns:a14="http://schemas.microsoft.com/office/drawing/2010/main" val="0"/>
+              </a:ext>
+            </a:extLst>
+          </a:blip>
+          <a:stretch>
+            <a:fillRect/>
+          </a:stretch>
+        </p:blipFill>
+        <p:spPr>
+          <a:xfrm>
+            <a:off x="5034503" y="5105005"/>
+            <a:ext cx="820010" cy="820010"/>
+          </a:xfrm>
+          <a:prstGeom prst="rect">
+            <a:avLst/>
+          </a:prstGeom>
+          <a:effectLst>
+            <a:outerShdw blurRad="50800" dist="38100" dir="8100000" algn="tr" rotWithShape="0">
+              <a:prstClr val="black">
+                <a:alpha val="40000"/>
+              </a:prstClr>
+            </a:outerShdw>
+          </a:effectLst>
+        </p:spPr>
+      </p:pic>
+    </p:spTree>
+    <p:extLst>
+      <p:ext uri="{BB962C8B-B14F-4D97-AF65-F5344CB8AC3E}">
+        <p14:creationId xmlns:p14="http://schemas.microsoft.com/office/powerpoint/2010/main" val="2228641613"/>
+      </p:ext>
+    </p:extLst>
+  </p:cSld>
+  <p:clrMapOvr>
+    <a:masterClrMapping/>
+  </p:clrMapOvr>
+</p:sld>
+</file>
+
+<file path=ppt/slides/slide4.xml><?xml version="1.0" encoding="utf-8"?>
 <p:sld xmlns:a="http://schemas.openxmlformats.org/drawingml/2006/main" xmlns:r="http://schemas.openxmlformats.org/officeDocument/2006/relationships" xmlns:p="http://schemas.openxmlformats.org/presentationml/2006/main">
   <p:cSld>
     <p:spTree>
@@ -13563,15 +14711,6 @@
                   <a:tailEnd/>
                 </a14:hiddenLine>
               </a:ext>
-              <a:ext uri="{AF507438-7753-43E0-B8FC-AC1667EBCBE1}">
-                <a14:hiddenEffects xmlns:a14="http://schemas.microsoft.com/office/drawing/2010/main">
-                  <a:effectLst>
-                    <a:outerShdw dist="35921" dir="2700000" algn="ctr" rotWithShape="0">
-                      <a:schemeClr val="bg2"/>
-                    </a:outerShdw>
-                  </a:effectLst>
-                </a14:hiddenEffects>
-              </a:ext>
             </a:extLst>
           </p:spPr>
         </p:pic>
@@ -13631,15 +14770,6 @@
                   <a:headEnd/>
                   <a:tailEnd/>
                 </a14:hiddenLine>
-              </a:ext>
-              <a:ext uri="{AF507438-7753-43E0-B8FC-AC1667EBCBE1}">
-                <a14:hiddenEffects xmlns:a14="http://schemas.microsoft.com/office/drawing/2010/main">
-                  <a:effectLst>
-                    <a:outerShdw dist="35921" dir="2700000" algn="ctr" rotWithShape="0">
-                      <a:schemeClr val="bg2"/>
-                    </a:outerShdw>
-                  </a:effectLst>
-                </a14:hiddenEffects>
               </a:ext>
             </a:extLst>
           </p:spPr>
@@ -14699,7 +15829,7 @@
 </p:sld>
 </file>
 
-<file path=ppt/slides/slide4.xml><?xml version="1.0" encoding="utf-8"?>
+<file path=ppt/slides/slide5.xml><?xml version="1.0" encoding="utf-8"?>
 <p:sld xmlns:a="http://schemas.openxmlformats.org/drawingml/2006/main" xmlns:r="http://schemas.openxmlformats.org/officeDocument/2006/relationships" xmlns:p="http://schemas.openxmlformats.org/presentationml/2006/main">
   <p:cSld>
     <p:spTree>
@@ -19075,15 +20205,6 @@
                   <a:tailEnd/>
                 </a14:hiddenLine>
               </a:ext>
-              <a:ext uri="{AF507438-7753-43E0-B8FC-AC1667EBCBE1}">
-                <a14:hiddenEffects xmlns:a14="http://schemas.microsoft.com/office/drawing/2010/main">
-                  <a:effectLst>
-                    <a:outerShdw dist="35921" dir="2700000" algn="ctr" rotWithShape="0">
-                      <a:schemeClr val="bg2"/>
-                    </a:outerShdw>
-                  </a:effectLst>
-                </a14:hiddenEffects>
-              </a:ext>
             </a:extLst>
           </p:spPr>
         </p:pic>
@@ -19143,15 +20264,6 @@
                   <a:headEnd/>
                   <a:tailEnd/>
                 </a14:hiddenLine>
-              </a:ext>
-              <a:ext uri="{AF507438-7753-43E0-B8FC-AC1667EBCBE1}">
-                <a14:hiddenEffects xmlns:a14="http://schemas.microsoft.com/office/drawing/2010/main">
-                  <a:effectLst>
-                    <a:outerShdw dist="35921" dir="2700000" algn="ctr" rotWithShape="0">
-                      <a:schemeClr val="bg2"/>
-                    </a:outerShdw>
-                  </a:effectLst>
-                </a14:hiddenEffects>
               </a:ext>
             </a:extLst>
           </p:spPr>
